--- a/workflow_docs/nextflow_overview.pptx
+++ b/workflow_docs/nextflow_overview.pptx
@@ -265,7 +265,7 @@
           <a:p>
             <a:fld id="{EE92DC47-638F-3C47-878E-1E2B54A6F292}" type="datetimeFigureOut">
               <a:rPr lang="en-US" smtClean="0"/>
-              <a:t>6/14/22</a:t>
+              <a:t>6/28/22</a:t>
             </a:fld>
             <a:endParaRPr lang="en-US"/>
           </a:p>
@@ -463,7 +463,7 @@
           <a:p>
             <a:fld id="{EE92DC47-638F-3C47-878E-1E2B54A6F292}" type="datetimeFigureOut">
               <a:rPr lang="en-US" smtClean="0"/>
-              <a:t>6/14/22</a:t>
+              <a:t>6/28/22</a:t>
             </a:fld>
             <a:endParaRPr lang="en-US"/>
           </a:p>
@@ -671,7 +671,7 @@
           <a:p>
             <a:fld id="{EE92DC47-638F-3C47-878E-1E2B54A6F292}" type="datetimeFigureOut">
               <a:rPr lang="en-US" smtClean="0"/>
-              <a:t>6/14/22</a:t>
+              <a:t>6/28/22</a:t>
             </a:fld>
             <a:endParaRPr lang="en-US"/>
           </a:p>
@@ -869,7 +869,7 @@
           <a:p>
             <a:fld id="{EE92DC47-638F-3C47-878E-1E2B54A6F292}" type="datetimeFigureOut">
               <a:rPr lang="en-US" smtClean="0"/>
-              <a:t>6/14/22</a:t>
+              <a:t>6/28/22</a:t>
             </a:fld>
             <a:endParaRPr lang="en-US"/>
           </a:p>
@@ -1144,7 +1144,7 @@
           <a:p>
             <a:fld id="{EE92DC47-638F-3C47-878E-1E2B54A6F292}" type="datetimeFigureOut">
               <a:rPr lang="en-US" smtClean="0"/>
-              <a:t>6/14/22</a:t>
+              <a:t>6/28/22</a:t>
             </a:fld>
             <a:endParaRPr lang="en-US"/>
           </a:p>
@@ -1409,7 +1409,7 @@
           <a:p>
             <a:fld id="{EE92DC47-638F-3C47-878E-1E2B54A6F292}" type="datetimeFigureOut">
               <a:rPr lang="en-US" smtClean="0"/>
-              <a:t>6/14/22</a:t>
+              <a:t>6/28/22</a:t>
             </a:fld>
             <a:endParaRPr lang="en-US"/>
           </a:p>
@@ -1821,7 +1821,7 @@
           <a:p>
             <a:fld id="{EE92DC47-638F-3C47-878E-1E2B54A6F292}" type="datetimeFigureOut">
               <a:rPr lang="en-US" smtClean="0"/>
-              <a:t>6/14/22</a:t>
+              <a:t>6/28/22</a:t>
             </a:fld>
             <a:endParaRPr lang="en-US"/>
           </a:p>
@@ -1962,7 +1962,7 @@
           <a:p>
             <a:fld id="{EE92DC47-638F-3C47-878E-1E2B54A6F292}" type="datetimeFigureOut">
               <a:rPr lang="en-US" smtClean="0"/>
-              <a:t>6/14/22</a:t>
+              <a:t>6/28/22</a:t>
             </a:fld>
             <a:endParaRPr lang="en-US"/>
           </a:p>
@@ -2075,7 +2075,7 @@
           <a:p>
             <a:fld id="{EE92DC47-638F-3C47-878E-1E2B54A6F292}" type="datetimeFigureOut">
               <a:rPr lang="en-US" smtClean="0"/>
-              <a:t>6/14/22</a:t>
+              <a:t>6/28/22</a:t>
             </a:fld>
             <a:endParaRPr lang="en-US"/>
           </a:p>
@@ -2386,7 +2386,7 @@
           <a:p>
             <a:fld id="{EE92DC47-638F-3C47-878E-1E2B54A6F292}" type="datetimeFigureOut">
               <a:rPr lang="en-US" smtClean="0"/>
-              <a:t>6/14/22</a:t>
+              <a:t>6/28/22</a:t>
             </a:fld>
             <a:endParaRPr lang="en-US"/>
           </a:p>
@@ -2674,7 +2674,7 @@
           <a:p>
             <a:fld id="{EE92DC47-638F-3C47-878E-1E2B54A6F292}" type="datetimeFigureOut">
               <a:rPr lang="en-US" smtClean="0"/>
-              <a:t>6/14/22</a:t>
+              <a:t>6/28/22</a:t>
             </a:fld>
             <a:endParaRPr lang="en-US"/>
           </a:p>
@@ -2915,7 +2915,7 @@
           <a:p>
             <a:fld id="{EE92DC47-638F-3C47-878E-1E2B54A6F292}" type="datetimeFigureOut">
               <a:rPr lang="en-US" smtClean="0"/>
-              <a:t>6/14/22</a:t>
+              <a:t>6/28/22</a:t>
             </a:fld>
             <a:endParaRPr lang="en-US"/>
           </a:p>
@@ -3659,35 +3659,6 @@
           </a:p>
         </p:txBody>
       </p:sp>
-      <p:pic>
-        <p:nvPicPr>
-          <p:cNvPr id="5" name="Content Placeholder 4">
-            <a:extLst>
-              <a:ext uri="{FF2B5EF4-FFF2-40B4-BE49-F238E27FC236}">
-                <a16:creationId xmlns:a16="http://schemas.microsoft.com/office/drawing/2014/main" id="{A981AE50-9451-FA3E-FEA9-F09123D6AB9A}"/>
-              </a:ext>
-            </a:extLst>
-          </p:cNvPr>
-          <p:cNvPicPr>
-            <a:picLocks noGrp="1" noChangeAspect="1"/>
-          </p:cNvPicPr>
-          <p:nvPr>
-            <p:ph idx="1"/>
-          </p:nvPr>
-        </p:nvPicPr>
-        <p:blipFill>
-          <a:blip r:embed="rId2"/>
-          <a:stretch>
-            <a:fillRect/>
-          </a:stretch>
-        </p:blipFill>
-        <p:spPr>
-          <a:xfrm>
-            <a:off x="3710152" y="366549"/>
-            <a:ext cx="8166537" cy="6124902"/>
-          </a:xfrm>
-        </p:spPr>
-      </p:pic>
       <p:sp>
         <p:nvSpPr>
           <p:cNvPr id="3" name="TextBox 2">
@@ -3742,6 +3713,35 @@
           </a:p>
         </p:txBody>
       </p:sp>
+      <p:pic>
+        <p:nvPicPr>
+          <p:cNvPr id="8" name="Content Placeholder 7">
+            <a:extLst>
+              <a:ext uri="{FF2B5EF4-FFF2-40B4-BE49-F238E27FC236}">
+                <a16:creationId xmlns:a16="http://schemas.microsoft.com/office/drawing/2014/main" id="{9AC2646A-6C43-8495-E8A6-BD50E762FF95}"/>
+              </a:ext>
+            </a:extLst>
+          </p:cNvPr>
+          <p:cNvPicPr>
+            <a:picLocks noGrp="1" noChangeAspect="1"/>
+          </p:cNvPicPr>
+          <p:nvPr>
+            <p:ph idx="1"/>
+          </p:nvPr>
+        </p:nvPicPr>
+        <p:blipFill>
+          <a:blip r:embed="rId2"/>
+          <a:stretch>
+            <a:fillRect/>
+          </a:stretch>
+        </p:blipFill>
+        <p:spPr>
+          <a:xfrm>
+            <a:off x="3573517" y="542518"/>
+            <a:ext cx="7933809" cy="5950357"/>
+          </a:xfrm>
+        </p:spPr>
+      </p:pic>
     </p:spTree>
     <p:extLst>
       <p:ext uri="{BB962C8B-B14F-4D97-AF65-F5344CB8AC3E}">
